--- a/dashboard/Dashboard_MockUp_ROUGH.pptx
+++ b/dashboard/Dashboard_MockUp_ROUGH.pptx
@@ -104,7 +104,49 @@
       </a:defRPr>
     </a:lvl9pPr>
   </p:defaultTextStyle>
+  <p:extLst>
+    <p:ext uri="{EFAFB233-063F-42B5-8137-9DF3F51BA10A}">
+      <p15:sldGuideLst xmlns:p15="http://schemas.microsoft.com/office/powerpoint/2012/main"/>
+    </p:ext>
+  </p:extLst>
 </p:presentation>
+</file>
+
+<file path=ppt/changesInfos/changesInfo1.xml><?xml version="1.0" encoding="utf-8"?>
+<pc:chgInfo xmlns:a="http://schemas.openxmlformats.org/drawingml/2006/main" xmlns:r="http://schemas.openxmlformats.org/officeDocument/2006/relationships" xmlns:ac="http://schemas.microsoft.com/office/drawing/2013/main/command" xmlns:pc="http://schemas.microsoft.com/office/powerpoint/2013/main/command">
+  <pc:docChgLst>
+    <pc:chgData name="Henrietta Danso" userId="25e5e9bc02fd8fc0" providerId="LiveId" clId="{C6A89228-51DE-48EC-8729-9A7257679D0B}"/>
+    <pc:docChg chg="modSld">
+      <pc:chgData name="Henrietta Danso" userId="25e5e9bc02fd8fc0" providerId="LiveId" clId="{C6A89228-51DE-48EC-8729-9A7257679D0B}" dt="2023-01-30T23:09:31.667" v="34" actId="1076"/>
+      <pc:docMkLst>
+        <pc:docMk/>
+      </pc:docMkLst>
+      <pc:sldChg chg="modSp mod">
+        <pc:chgData name="Henrietta Danso" userId="25e5e9bc02fd8fc0" providerId="LiveId" clId="{C6A89228-51DE-48EC-8729-9A7257679D0B}" dt="2023-01-30T23:09:31.667" v="34" actId="1076"/>
+        <pc:sldMkLst>
+          <pc:docMk/>
+          <pc:sldMk cId="1205647749" sldId="256"/>
+        </pc:sldMkLst>
+        <pc:spChg chg="mod">
+          <ac:chgData name="Henrietta Danso" userId="25e5e9bc02fd8fc0" providerId="LiveId" clId="{C6A89228-51DE-48EC-8729-9A7257679D0B}" dt="2023-01-30T23:09:13.308" v="18" actId="14100"/>
+          <ac:spMkLst>
+            <pc:docMk/>
+            <pc:sldMk cId="1205647749" sldId="256"/>
+            <ac:spMk id="2" creationId="{969C0BB8-B40F-C3C1-9A9F-435D7EF44FD4}"/>
+          </ac:spMkLst>
+        </pc:spChg>
+        <pc:spChg chg="mod">
+          <ac:chgData name="Henrietta Danso" userId="25e5e9bc02fd8fc0" providerId="LiveId" clId="{C6A89228-51DE-48EC-8729-9A7257679D0B}" dt="2023-01-30T23:09:31.667" v="34" actId="1076"/>
+          <ac:spMkLst>
+            <pc:docMk/>
+            <pc:sldMk cId="1205647749" sldId="256"/>
+            <ac:spMk id="4" creationId="{0C405928-842A-30A4-70FB-E8D59B05FDB9}"/>
+          </ac:spMkLst>
+        </pc:spChg>
+      </pc:sldChg>
+    </pc:docChg>
+  </pc:docChgLst>
+</pc:chgInfo>
 </file>
 
 <file path=ppt/slideLayouts/slideLayout1.xml><?xml version="1.0" encoding="utf-8"?>
@@ -256,7 +298,7 @@
           <a:p>
             <a:fld id="{24B0B6DD-1028-4CA1-BEB1-4C3D4D0211EC}" type="datetimeFigureOut">
               <a:rPr lang="en-CA" smtClean="0"/>
-              <a:t>2023-01-25</a:t>
+              <a:t>2023-01-30</a:t>
             </a:fld>
             <a:endParaRPr lang="en-CA"/>
           </a:p>
@@ -456,7 +498,7 @@
           <a:p>
             <a:fld id="{24B0B6DD-1028-4CA1-BEB1-4C3D4D0211EC}" type="datetimeFigureOut">
               <a:rPr lang="en-CA" smtClean="0"/>
-              <a:t>2023-01-25</a:t>
+              <a:t>2023-01-30</a:t>
             </a:fld>
             <a:endParaRPr lang="en-CA"/>
           </a:p>
@@ -666,7 +708,7 @@
           <a:p>
             <a:fld id="{24B0B6DD-1028-4CA1-BEB1-4C3D4D0211EC}" type="datetimeFigureOut">
               <a:rPr lang="en-CA" smtClean="0"/>
-              <a:t>2023-01-25</a:t>
+              <a:t>2023-01-30</a:t>
             </a:fld>
             <a:endParaRPr lang="en-CA"/>
           </a:p>
@@ -866,7 +908,7 @@
           <a:p>
             <a:fld id="{24B0B6DD-1028-4CA1-BEB1-4C3D4D0211EC}" type="datetimeFigureOut">
               <a:rPr lang="en-CA" smtClean="0"/>
-              <a:t>2023-01-25</a:t>
+              <a:t>2023-01-30</a:t>
             </a:fld>
             <a:endParaRPr lang="en-CA"/>
           </a:p>
@@ -1142,7 +1184,7 @@
           <a:p>
             <a:fld id="{24B0B6DD-1028-4CA1-BEB1-4C3D4D0211EC}" type="datetimeFigureOut">
               <a:rPr lang="en-CA" smtClean="0"/>
-              <a:t>2023-01-25</a:t>
+              <a:t>2023-01-30</a:t>
             </a:fld>
             <a:endParaRPr lang="en-CA"/>
           </a:p>
@@ -1410,7 +1452,7 @@
           <a:p>
             <a:fld id="{24B0B6DD-1028-4CA1-BEB1-4C3D4D0211EC}" type="datetimeFigureOut">
               <a:rPr lang="en-CA" smtClean="0"/>
-              <a:t>2023-01-25</a:t>
+              <a:t>2023-01-30</a:t>
             </a:fld>
             <a:endParaRPr lang="en-CA"/>
           </a:p>
@@ -1825,7 +1867,7 @@
           <a:p>
             <a:fld id="{24B0B6DD-1028-4CA1-BEB1-4C3D4D0211EC}" type="datetimeFigureOut">
               <a:rPr lang="en-CA" smtClean="0"/>
-              <a:t>2023-01-25</a:t>
+              <a:t>2023-01-30</a:t>
             </a:fld>
             <a:endParaRPr lang="en-CA"/>
           </a:p>
@@ -1967,7 +2009,7 @@
           <a:p>
             <a:fld id="{24B0B6DD-1028-4CA1-BEB1-4C3D4D0211EC}" type="datetimeFigureOut">
               <a:rPr lang="en-CA" smtClean="0"/>
-              <a:t>2023-01-25</a:t>
+              <a:t>2023-01-30</a:t>
             </a:fld>
             <a:endParaRPr lang="en-CA"/>
           </a:p>
@@ -2080,7 +2122,7 @@
           <a:p>
             <a:fld id="{24B0B6DD-1028-4CA1-BEB1-4C3D4D0211EC}" type="datetimeFigureOut">
               <a:rPr lang="en-CA" smtClean="0"/>
-              <a:t>2023-01-25</a:t>
+              <a:t>2023-01-30</a:t>
             </a:fld>
             <a:endParaRPr lang="en-CA"/>
           </a:p>
@@ -2393,7 +2435,7 @@
           <a:p>
             <a:fld id="{24B0B6DD-1028-4CA1-BEB1-4C3D4D0211EC}" type="datetimeFigureOut">
               <a:rPr lang="en-CA" smtClean="0"/>
-              <a:t>2023-01-25</a:t>
+              <a:t>2023-01-30</a:t>
             </a:fld>
             <a:endParaRPr lang="en-CA"/>
           </a:p>
@@ -2682,7 +2724,7 @@
           <a:p>
             <a:fld id="{24B0B6DD-1028-4CA1-BEB1-4C3D4D0211EC}" type="datetimeFigureOut">
               <a:rPr lang="en-CA" smtClean="0"/>
-              <a:t>2023-01-25</a:t>
+              <a:t>2023-01-30</a:t>
             </a:fld>
             <a:endParaRPr lang="en-CA"/>
           </a:p>
@@ -2925,7 +2967,7 @@
           <a:p>
             <a:fld id="{24B0B6DD-1028-4CA1-BEB1-4C3D4D0211EC}" type="datetimeFigureOut">
               <a:rPr lang="en-CA" smtClean="0"/>
-              <a:t>2023-01-25</a:t>
+              <a:t>2023-01-30</a:t>
             </a:fld>
             <a:endParaRPr lang="en-CA"/>
           </a:p>
@@ -3871,6 +3913,76 @@
           </p:txBody>
         </p:sp>
       </p:grpSp>
+      <p:sp>
+        <p:nvSpPr>
+          <p:cNvPr id="2" name="TextBox 1">
+            <a:extLst>
+              <a:ext uri="{FF2B5EF4-FFF2-40B4-BE49-F238E27FC236}">
+                <a16:creationId xmlns:a16="http://schemas.microsoft.com/office/drawing/2014/main" id="{969C0BB8-B40F-C3C1-9A9F-435D7EF44FD4}"/>
+              </a:ext>
+            </a:extLst>
+          </p:cNvPr>
+          <p:cNvSpPr txBox="1"/>
+          <p:nvPr/>
+        </p:nvSpPr>
+        <p:spPr>
+          <a:xfrm>
+            <a:off x="8394086" y="3868118"/>
+            <a:ext cx="3998277" cy="400110"/>
+          </a:xfrm>
+          <a:prstGeom prst="rect">
+            <a:avLst/>
+          </a:prstGeom>
+          <a:noFill/>
+        </p:spPr>
+        <p:txBody>
+          <a:bodyPr wrap="square" rtlCol="0">
+            <a:spAutoFit/>
+          </a:bodyPr>
+          <a:lstStyle/>
+          <a:p>
+            <a:r>
+              <a:rPr lang="en-CA" sz="1000" dirty="0"/>
+              <a:t>* Opportunity to make interactive: can allow users to select between ‘good’ and ‘bad’ category from dropdown to see stats for selection.</a:t>
+            </a:r>
+          </a:p>
+        </p:txBody>
+      </p:sp>
+      <p:sp>
+        <p:nvSpPr>
+          <p:cNvPr id="4" name="TextBox 3">
+            <a:extLst>
+              <a:ext uri="{FF2B5EF4-FFF2-40B4-BE49-F238E27FC236}">
+                <a16:creationId xmlns:a16="http://schemas.microsoft.com/office/drawing/2014/main" id="{0C405928-842A-30A4-70FB-E8D59B05FDB9}"/>
+              </a:ext>
+            </a:extLst>
+          </p:cNvPr>
+          <p:cNvSpPr txBox="1"/>
+          <p:nvPr/>
+        </p:nvSpPr>
+        <p:spPr>
+          <a:xfrm>
+            <a:off x="2623221" y="4746289"/>
+            <a:ext cx="3760892" cy="400110"/>
+          </a:xfrm>
+          <a:prstGeom prst="rect">
+            <a:avLst/>
+          </a:prstGeom>
+          <a:noFill/>
+        </p:spPr>
+        <p:txBody>
+          <a:bodyPr wrap="square" rtlCol="0">
+            <a:spAutoFit/>
+          </a:bodyPr>
+          <a:lstStyle/>
+          <a:p>
+            <a:r>
+              <a:rPr lang="en-CA" sz="1000" dirty="0"/>
+              <a:t>* Opportunity to make interactive: can allow users to select between ‘good’ and ‘bad’ category from dropdown to see stats for selection.</a:t>
+            </a:r>
+          </a:p>
+        </p:txBody>
+      </p:sp>
     </p:spTree>
     <p:extLst>
       <p:ext uri="{BB962C8B-B14F-4D97-AF65-F5344CB8AC3E}">
